--- a/Portfolio/Session2.pptx
+++ b/Portfolio/Session2.pptx
@@ -106,6 +106,11 @@
       </a:defRPr>
     </a:lvl9pPr>
   </p:defaultTextStyle>
+  <p:extLst>
+    <p:ext uri="{EFAFB233-063F-42B5-8137-9DF3F51BA10A}">
+      <p15:sldGuideLst xmlns:p15="http://schemas.microsoft.com/office/powerpoint/2012/main"/>
+    </p:ext>
+  </p:extLst>
 </p:presentation>
 </file>
 
@@ -3997,7 +4002,11 @@
           <a:bodyPr/>
           <a:lstStyle/>
           <a:p>
-            <a:endParaRPr lang="de-DE"/>
+            <a:r>
+              <a:rPr lang="de-DE" dirty="0" smtClean="0"/>
+              <a:t>UI	</a:t>
+            </a:r>
+            <a:endParaRPr lang="de-DE" dirty="0"/>
           </a:p>
         </p:txBody>
       </p:sp>
@@ -4016,7 +4025,62 @@
           <a:bodyPr/>
           <a:lstStyle/>
           <a:p>
-            <a:endParaRPr lang="de-DE"/>
+            <a:pPr>
+              <a:buFont typeface="Arial" panose="020B0604020202020204" pitchFamily="34" charset="0"/>
+              <a:buChar char="•"/>
+            </a:pPr>
+            <a:r>
+              <a:rPr lang="de-DE" dirty="0"/>
+              <a:t> </a:t>
+            </a:r>
+            <a:r>
+              <a:rPr lang="de-DE" dirty="0" smtClean="0"/>
+              <a:t>Routing</a:t>
+            </a:r>
+          </a:p>
+          <a:p>
+            <a:pPr>
+              <a:buFont typeface="Arial" panose="020B0604020202020204" pitchFamily="34" charset="0"/>
+              <a:buChar char="•"/>
+            </a:pPr>
+            <a:r>
+              <a:rPr lang="de-DE" dirty="0"/>
+              <a:t> </a:t>
+            </a:r>
+            <a:r>
+              <a:rPr lang="de-DE" dirty="0" err="1" smtClean="0"/>
+              <a:t>Navbar</a:t>
+            </a:r>
+            <a:endParaRPr lang="de-DE" dirty="0" smtClean="0"/>
+          </a:p>
+          <a:p>
+            <a:pPr>
+              <a:buFont typeface="Arial" panose="020B0604020202020204" pitchFamily="34" charset="0"/>
+              <a:buChar char="•"/>
+            </a:pPr>
+            <a:r>
+              <a:rPr lang="de-DE" dirty="0"/>
+              <a:t> </a:t>
+            </a:r>
+            <a:r>
+              <a:rPr lang="de-DE" dirty="0" smtClean="0"/>
+              <a:t>Startseite</a:t>
+            </a:r>
+          </a:p>
+          <a:p>
+            <a:pPr>
+              <a:buFont typeface="Arial" panose="020B0604020202020204" pitchFamily="34" charset="0"/>
+              <a:buChar char="•"/>
+            </a:pPr>
+            <a:r>
+              <a:rPr lang="de-DE" dirty="0"/>
+              <a:t> </a:t>
+            </a:r>
+            <a:r>
+              <a:rPr lang="de-DE" dirty="0" smtClean="0"/>
+              <a:t>Charts für Maschinenstatus</a:t>
+            </a:r>
+            <a:endParaRPr lang="de-DE" dirty="0"/>
           </a:p>
         </p:txBody>
       </p:sp>

--- a/Portfolio/Session2.pptx
+++ b/Portfolio/Session2.pptx
@@ -8,6 +8,7 @@
     <p:sldId id="256" r:id="rId2"/>
     <p:sldId id="257" r:id="rId3"/>
     <p:sldId id="258" r:id="rId4"/>
+    <p:sldId id="259" r:id="rId5"/>
   </p:sldIdLst>
   <p:sldSz cx="12192000" cy="6858000"/>
   <p:notesSz cx="6858000" cy="9144000"/>
@@ -4104,6 +4105,82 @@
 </p:sld>
 </file>
 
+<file path=ppt/slides/slide4.xml><?xml version="1.0" encoding="utf-8"?>
+<p:sld xmlns:a="http://schemas.openxmlformats.org/drawingml/2006/main" xmlns:r="http://schemas.openxmlformats.org/officeDocument/2006/relationships" xmlns:p="http://schemas.openxmlformats.org/presentationml/2006/main">
+  <p:cSld>
+    <p:spTree>
+      <p:nvGrpSpPr>
+        <p:cNvPr id="1" name=""/>
+        <p:cNvGrpSpPr/>
+        <p:nvPr/>
+      </p:nvGrpSpPr>
+      <p:grpSpPr>
+        <a:xfrm>
+          <a:off x="0" y="0"/>
+          <a:ext cx="0" cy="0"/>
+          <a:chOff x="0" y="0"/>
+          <a:chExt cx="0" cy="0"/>
+        </a:xfrm>
+      </p:grpSpPr>
+      <p:sp>
+        <p:nvSpPr>
+          <p:cNvPr id="2" name="Titel 1"/>
+          <p:cNvSpPr>
+            <a:spLocks noGrp="1"/>
+          </p:cNvSpPr>
+          <p:nvPr>
+            <p:ph type="title"/>
+          </p:nvPr>
+        </p:nvSpPr>
+        <p:spPr/>
+        <p:txBody>
+          <a:bodyPr/>
+          <a:lstStyle/>
+          <a:p>
+            <a:r>
+              <a:rPr lang="de-DE" dirty="0" smtClean="0"/>
+              <a:t>UI + </a:t>
+            </a:r>
+            <a:r>
+              <a:rPr lang="de-DE" smtClean="0"/>
+              <a:t>Favro</a:t>
+            </a:r>
+            <a:endParaRPr lang="de-DE"/>
+          </a:p>
+        </p:txBody>
+      </p:sp>
+      <p:sp>
+        <p:nvSpPr>
+          <p:cNvPr id="3" name="Inhaltsplatzhalter 2"/>
+          <p:cNvSpPr>
+            <a:spLocks noGrp="1"/>
+          </p:cNvSpPr>
+          <p:nvPr>
+            <p:ph idx="1"/>
+          </p:nvPr>
+        </p:nvSpPr>
+        <p:spPr/>
+        <p:txBody>
+          <a:bodyPr/>
+          <a:lstStyle/>
+          <a:p>
+            <a:endParaRPr lang="de-DE"/>
+          </a:p>
+        </p:txBody>
+      </p:sp>
+    </p:spTree>
+    <p:extLst>
+      <p:ext uri="{BB962C8B-B14F-4D97-AF65-F5344CB8AC3E}">
+        <p14:creationId xmlns:p14="http://schemas.microsoft.com/office/powerpoint/2010/main" val="731154561"/>
+      </p:ext>
+    </p:extLst>
+  </p:cSld>
+  <p:clrMapOvr>
+    <a:masterClrMapping/>
+  </p:clrMapOvr>
+</p:sld>
+</file>
+
 <file path=ppt/theme/theme1.xml><?xml version="1.0" encoding="utf-8"?>
 <a:theme xmlns:a="http://schemas.openxmlformats.org/drawingml/2006/main" name="Rückblick">
   <a:themeElements>

--- a/Portfolio/Session2.pptx
+++ b/Portfolio/Session2.pptx
@@ -4139,13 +4139,9 @@
           <a:p>
             <a:r>
               <a:rPr lang="de-DE" dirty="0" smtClean="0"/>
-              <a:t>UI + </a:t>
-            </a:r>
-            <a:r>
-              <a:rPr lang="de-DE" smtClean="0"/>
-              <a:t>Favro</a:t>
-            </a:r>
-            <a:endParaRPr lang="de-DE"/>
+              <a:t>Ausblick	</a:t>
+            </a:r>
+            <a:endParaRPr lang="de-DE" dirty="0"/>
           </a:p>
         </p:txBody>
       </p:sp>
@@ -4164,7 +4160,43 @@
           <a:bodyPr/>
           <a:lstStyle/>
           <a:p>
-            <a:endParaRPr lang="de-DE"/>
+            <a:pPr>
+              <a:buFont typeface="Arial" panose="020B0604020202020204" pitchFamily="34" charset="0"/>
+              <a:buChar char="•"/>
+            </a:pPr>
+            <a:r>
+              <a:rPr lang="de-DE" dirty="0" smtClean="0"/>
+              <a:t> Die zwei letzten Layouts</a:t>
+            </a:r>
+          </a:p>
+          <a:p>
+            <a:pPr lvl="1"/>
+            <a:r>
+              <a:rPr lang="de-DE" dirty="0" smtClean="0"/>
+              <a:t>Kunden Layout</a:t>
+            </a:r>
+          </a:p>
+          <a:p>
+            <a:pPr lvl="1"/>
+            <a:r>
+              <a:rPr lang="de-DE" dirty="0" smtClean="0"/>
+              <a:t>Produkt Layout</a:t>
+            </a:r>
+          </a:p>
+          <a:p>
+            <a:pPr>
+              <a:buFont typeface="Arial" panose="020B0604020202020204" pitchFamily="34" charset="0"/>
+              <a:buChar char="•"/>
+            </a:pPr>
+            <a:r>
+              <a:rPr lang="de-DE" smtClean="0"/>
+              <a:t> Testdaten </a:t>
+            </a:r>
+            <a:r>
+              <a:rPr lang="de-DE" dirty="0" smtClean="0"/>
+              <a:t>einspielen</a:t>
+            </a:r>
+            <a:endParaRPr lang="de-DE" dirty="0"/>
           </a:p>
         </p:txBody>
       </p:sp>
@@ -4178,6 +4210,13 @@
   <p:clrMapOvr>
     <a:masterClrMapping/>
   </p:clrMapOvr>
+  <p:timing>
+    <p:tnLst>
+      <p:par>
+        <p:cTn id="1" dur="indefinite" restart="never" nodeType="tmRoot"/>
+      </p:par>
+    </p:tnLst>
+  </p:timing>
 </p:sld>
 </file>
 

--- a/Portfolio/Session2.pptx
+++ b/Portfolio/Session2.pptx
@@ -4079,7 +4079,11 @@
             </a:r>
             <a:r>
               <a:rPr lang="de-DE" dirty="0" smtClean="0"/>
-              <a:t>Charts für Maschinenstatus</a:t>
+              <a:t>Layout mit Charts </a:t>
+            </a:r>
+            <a:r>
+              <a:rPr lang="de-DE" dirty="0" smtClean="0"/>
+              <a:t>für Maschinenstatus</a:t>
             </a:r>
             <a:endParaRPr lang="de-DE" dirty="0"/>
           </a:p>
